--- a/doc/articles/part2/presentation.pptx
+++ b/doc/articles/part2/presentation.pptx
@@ -24,6 +24,7 @@
     <p:sldId id="272" r:id="rId18"/>
     <p:sldId id="273" r:id="rId19"/>
     <p:sldId id="274" r:id="rId20"/>
+    <p:sldId id="275" r:id="rId21"/>
   </p:sldIdLst>
   <p:sldSz cx="9144000" cy="6858000" type="screen4x3"/>
   <p:notesSz cx="6858000" cy="9144000"/>
@@ -621,7 +622,7 @@
             <a:fld id="{8ACDB3CC-F982-40F9-8DD6-BCC9AFBF44BD}" type="datetime1">
               <a:rPr lang="en-US" smtClean="0"/>
               <a:pPr/>
-              <a:t>2/28/13</a:t>
+              <a:t>3/5/13</a:t>
             </a:fld>
             <a:endParaRPr lang="en-US" dirty="0"/>
           </a:p>
@@ -849,7 +850,7 @@
             <a:fld id="{F7371C1A-CAFA-43FD-A579-55B116A1448A}" type="datetime1">
               <a:rPr lang="en-US" smtClean="0"/>
               <a:pPr/>
-              <a:t>2/28/13</a:t>
+              <a:t>3/5/13</a:t>
             </a:fld>
             <a:endParaRPr lang="en-US"/>
           </a:p>
@@ -1026,7 +1027,7 @@
             <a:fld id="{FDA1BC03-21BF-4F6B-A3BE-29C937D452B1}" type="datetime1">
               <a:rPr lang="en-US" smtClean="0"/>
               <a:pPr/>
-              <a:t>2/28/13</a:t>
+              <a:t>3/5/13</a:t>
             </a:fld>
             <a:endParaRPr lang="en-US"/>
           </a:p>
@@ -1193,7 +1194,7 @@
             <a:fld id="{F3008867-0964-49C4-9DE5-8FBB189497BC}" type="datetime1">
               <a:rPr lang="en-US" smtClean="0"/>
               <a:pPr/>
-              <a:t>2/28/13</a:t>
+              <a:t>3/5/13</a:t>
             </a:fld>
             <a:endParaRPr lang="en-US"/>
           </a:p>
@@ -1436,7 +1437,7 @@
             <a:fld id="{64DDAE5B-B07C-441A-8026-C23A427A74DC}" type="datetime1">
               <a:rPr lang="en-US" smtClean="0"/>
               <a:pPr/>
-              <a:t>2/28/13</a:t>
+              <a:t>3/5/13</a:t>
             </a:fld>
             <a:endParaRPr lang="en-US"/>
           </a:p>
@@ -1551,7 +1552,7 @@
             <a:fld id="{4151D5B8-D9C5-419F-913D-2186935717ED}" type="datetime1">
               <a:rPr lang="en-US" smtClean="0"/>
               <a:pPr/>
-              <a:t>2/28/13</a:t>
+              <a:t>3/5/13</a:t>
             </a:fld>
             <a:endParaRPr lang="en-US"/>
           </a:p>
@@ -1930,7 +1931,7 @@
             <a:fld id="{586F952F-F888-4FB8-9CB7-51D5F02FA3C8}" type="datetime1">
               <a:rPr lang="en-US" smtClean="0"/>
               <a:pPr/>
-              <a:t>2/28/13</a:t>
+              <a:t>3/5/13</a:t>
             </a:fld>
             <a:endParaRPr lang="en-US"/>
           </a:p>
@@ -7577,7 +7578,7 @@
             <a:fld id="{2188DB32-6162-43C0-9325-230E0A9B0177}" type="datetime1">
               <a:rPr lang="en-US" smtClean="0"/>
               <a:pPr/>
-              <a:t>2/28/13</a:t>
+              <a:t>3/5/13</a:t>
             </a:fld>
             <a:endParaRPr lang="en-US"/>
           </a:p>
@@ -7669,7 +7670,7 @@
             <a:fld id="{AF219B57-0E9E-4DE4-A7F5-9A169EF1CEE0}" type="datetime1">
               <a:rPr lang="en-US" smtClean="0"/>
               <a:pPr/>
-              <a:t>2/28/13</a:t>
+              <a:t>3/5/13</a:t>
             </a:fld>
             <a:endParaRPr lang="en-US"/>
           </a:p>
@@ -7943,7 +7944,7 @@
             <a:fld id="{74F8F86C-0F1B-4333-B99B-B3B2B1F87225}" type="datetime1">
               <a:rPr lang="en-US" smtClean="0"/>
               <a:pPr/>
-              <a:t>2/28/13</a:t>
+              <a:t>3/5/13</a:t>
             </a:fld>
             <a:endParaRPr lang="en-US"/>
           </a:p>
@@ -8253,7 +8254,7 @@
             <a:fld id="{40D7FCD9-7699-43D6-8D62-436E2DD234FF}" type="datetime1">
               <a:rPr lang="en-US" smtClean="0"/>
               <a:pPr/>
-              <a:t>2/28/13</a:t>
+              <a:t>3/5/13</a:t>
             </a:fld>
             <a:endParaRPr lang="en-US"/>
           </a:p>
@@ -8492,7 +8493,7 @@
             <a:fld id="{610FC3EB-42FB-4C38-8CAE-7A1293B83421}" type="datetime1">
               <a:rPr lang="en-US" smtClean="0"/>
               <a:pPr/>
-              <a:t>2/28/13</a:t>
+              <a:t>3/5/13</a:t>
             </a:fld>
             <a:endParaRPr lang="en-US" dirty="0"/>
           </a:p>
@@ -9104,6 +9105,13 @@
   <p:clrMapOvr>
     <a:masterClrMapping/>
   </p:clrMapOvr>
+  <p:timing>
+    <p:tnLst>
+      <p:par>
+        <p:cTn xmlns:p14="http://schemas.microsoft.com/office/powerpoint/2010/main" id="1" dur="indefinite" restart="never" nodeType="tmRoot"/>
+      </p:par>
+    </p:tnLst>
+  </p:timing>
 </p:sld>
 </file>
 
@@ -10342,19 +10350,7 @@
             </a:r>
             <a:r>
               <a:rPr lang="en-US" dirty="0" smtClean="0"/>
-              <a:t> </a:t>
-            </a:r>
-            <a:r>
-              <a:rPr lang="en-US" dirty="0" smtClean="0"/>
-              <a:t>2: </a:t>
-            </a:r>
-            <a:r>
-              <a:rPr lang="en-US" dirty="0" smtClean="0"/>
-              <a:t>User </a:t>
-            </a:r>
-            <a:r>
-              <a:rPr lang="en-US" dirty="0" smtClean="0"/>
-              <a:t>resources</a:t>
+              <a:t> 2: User resources</a:t>
             </a:r>
             <a:endParaRPr lang="en-US" dirty="0"/>
           </a:p>
@@ -11469,28 +11465,83 @@
                 <a:latin typeface="Consolas"/>
                 <a:cs typeface="Consolas"/>
               </a:rPr>
-              <a:t> SELECT "</a:t>
+              <a:t> SELECT </a:t>
+            </a:r>
+            <a:r>
+              <a:rPr lang="nl-NL" dirty="0" smtClean="0">
+                <a:latin typeface="Consolas"/>
+                <a:cs typeface="Consolas"/>
+              </a:rPr>
+              <a:t>"</a:t>
+            </a:r>
+            <a:r>
+              <a:rPr lang="nl-NL" dirty="0" smtClean="0">
+                <a:latin typeface="Consolas"/>
+                <a:cs typeface="Consolas"/>
+              </a:rPr>
+              <a:t>resources"</a:t>
+            </a:r>
+            <a:r>
+              <a:rPr lang="nl-NL" dirty="0">
+                <a:latin typeface="Consolas"/>
+                <a:cs typeface="Consolas"/>
+              </a:rPr>
+              <a:t>.* FROM </a:t>
+            </a:r>
+            <a:r>
+              <a:rPr lang="nl-NL" dirty="0" smtClean="0">
+                <a:latin typeface="Consolas"/>
+                <a:cs typeface="Consolas"/>
+              </a:rPr>
+              <a:t>"resources" </a:t>
+            </a:r>
+            <a:endParaRPr lang="nl-NL" dirty="0">
+              <a:latin typeface="Consolas"/>
+              <a:cs typeface="Consolas"/>
+            </a:endParaRPr>
+          </a:p>
+          <a:p>
+            <a:r>
+              <a:rPr lang="nl-NL" dirty="0">
+                <a:latin typeface="Consolas"/>
+                <a:cs typeface="Consolas"/>
+              </a:rPr>
+              <a:t>    INNER JOIN "users" ON "users"."</a:t>
             </a:r>
             <a:r>
               <a:rPr lang="nl-NL" dirty="0" err="1">
                 <a:latin typeface="Consolas"/>
                 <a:cs typeface="Consolas"/>
               </a:rPr>
-              <a:t>materials</a:t>
+              <a:t>id</a:t>
             </a:r>
             <a:r>
               <a:rPr lang="nl-NL" dirty="0">
                 <a:latin typeface="Consolas"/>
                 <a:cs typeface="Consolas"/>
               </a:rPr>
-              <a:t>".* FROM "</a:t>
+              <a:t>" = </a:t>
+            </a:r>
+            <a:r>
+              <a:rPr lang="nl-NL" dirty="0" smtClean="0">
+                <a:latin typeface="Consolas"/>
+                <a:cs typeface="Consolas"/>
+              </a:rPr>
+              <a:t>"resources"</a:t>
+            </a:r>
+            <a:r>
+              <a:rPr lang="nl-NL" dirty="0">
+                <a:latin typeface="Consolas"/>
+                <a:cs typeface="Consolas"/>
+              </a:rPr>
+              <a:t>."</a:t>
             </a:r>
             <a:r>
               <a:rPr lang="nl-NL" dirty="0" err="1">
                 <a:latin typeface="Consolas"/>
                 <a:cs typeface="Consolas"/>
               </a:rPr>
-              <a:t>materials</a:t>
+              <a:t>user_id</a:t>
             </a:r>
             <a:r>
               <a:rPr lang="nl-NL" dirty="0">
@@ -11506,7 +11557,7 @@
                 <a:latin typeface="Consolas"/>
                 <a:cs typeface="Consolas"/>
               </a:rPr>
-              <a:t>    INNER JOIN "users" ON "users"."</a:t>
+              <a:t>    WHERE "users"."</a:t>
             </a:r>
             <a:r>
               <a:rPr lang="nl-NL" dirty="0" err="1">
@@ -11520,81 +11571,44 @@
                 <a:latin typeface="Consolas"/>
                 <a:cs typeface="Consolas"/>
               </a:rPr>
-              <a:t>" = "</a:t>
-            </a:r>
-            <a:r>
-              <a:rPr lang="nl-NL" dirty="0" err="1">
-                <a:latin typeface="Consolas"/>
-                <a:cs typeface="Consolas"/>
-              </a:rPr>
-              <a:t>materials</a:t>
-            </a:r>
+              <a:t>" = 30 </a:t>
+            </a:r>
+          </a:p>
+          <a:p>
             <a:r>
               <a:rPr lang="nl-NL" dirty="0">
                 <a:latin typeface="Consolas"/>
                 <a:cs typeface="Consolas"/>
               </a:rPr>
-              <a:t>"."</a:t>
-            </a:r>
-            <a:r>
-              <a:rPr lang="nl-NL" dirty="0" err="1">
-                <a:latin typeface="Consolas"/>
-                <a:cs typeface="Consolas"/>
-              </a:rPr>
-              <a:t>user_id</a:t>
+              <a:t>      AND </a:t>
+            </a:r>
+            <a:r>
+              <a:rPr lang="nl-NL" dirty="0" smtClean="0">
+                <a:latin typeface="Consolas"/>
+                <a:cs typeface="Consolas"/>
+              </a:rPr>
+              <a:t>"</a:t>
+            </a:r>
+            <a:r>
+              <a:rPr lang="nl-NL" dirty="0" err="1" smtClean="0">
+                <a:latin typeface="Consolas"/>
+                <a:cs typeface="Consolas"/>
+              </a:rPr>
+              <a:t>resoureces</a:t>
+            </a:r>
+            <a:r>
+              <a:rPr lang="nl-NL" dirty="0" smtClean="0">
+                <a:latin typeface="Consolas"/>
+                <a:cs typeface="Consolas"/>
+              </a:rPr>
+              <a:t>"</a:t>
             </a:r>
             <a:r>
               <a:rPr lang="nl-NL" dirty="0">
                 <a:latin typeface="Consolas"/>
                 <a:cs typeface="Consolas"/>
               </a:rPr>
-              <a:t>" </a:t>
-            </a:r>
-          </a:p>
-          <a:p>
-            <a:r>
-              <a:rPr lang="nl-NL" dirty="0">
-                <a:latin typeface="Consolas"/>
-                <a:cs typeface="Consolas"/>
-              </a:rPr>
-              <a:t>    WHERE "users"."</a:t>
-            </a:r>
-            <a:r>
-              <a:rPr lang="nl-NL" dirty="0" err="1">
-                <a:latin typeface="Consolas"/>
-                <a:cs typeface="Consolas"/>
-              </a:rPr>
-              <a:t>id</a:t>
-            </a:r>
-            <a:r>
-              <a:rPr lang="nl-NL" dirty="0">
-                <a:latin typeface="Consolas"/>
-                <a:cs typeface="Consolas"/>
-              </a:rPr>
-              <a:t>" = 30 </a:t>
-            </a:r>
-          </a:p>
-          <a:p>
-            <a:r>
-              <a:rPr lang="nl-NL" dirty="0">
-                <a:latin typeface="Consolas"/>
-                <a:cs typeface="Consolas"/>
-              </a:rPr>
-              <a:t>      AND "</a:t>
-            </a:r>
-            <a:r>
-              <a:rPr lang="nl-NL" dirty="0" err="1">
-                <a:latin typeface="Consolas"/>
-                <a:cs typeface="Consolas"/>
-              </a:rPr>
-              <a:t>materials</a:t>
-            </a:r>
-            <a:r>
-              <a:rPr lang="nl-NL" dirty="0">
-                <a:latin typeface="Consolas"/>
-                <a:cs typeface="Consolas"/>
-              </a:rPr>
-              <a:t>".</a:t>
+              <a:t>.</a:t>
             </a:r>
             <a:r>
               <a:rPr lang="nl-NL" dirty="0" err="1">
@@ -11900,15 +11914,7 @@
             </a:r>
             <a:r>
               <a:rPr lang="en-US" dirty="0" smtClean="0"/>
-              <a:t>: </a:t>
-            </a:r>
-            <a:r>
-              <a:rPr lang="en-US" dirty="0" smtClean="0"/>
-              <a:t>User </a:t>
-            </a:r>
-            <a:r>
-              <a:rPr lang="en-US" dirty="0" smtClean="0"/>
-              <a:t>resources author</a:t>
+              <a:t>: User resources author</a:t>
             </a:r>
             <a:endParaRPr lang="en-US" dirty="0"/>
           </a:p>
@@ -13030,224 +13036,295 @@
                 <a:latin typeface="Consolas"/>
                 <a:cs typeface="Consolas"/>
               </a:rPr>
-              <a:t> SELECT "materials".* FROM "materials" </a:t>
-            </a:r>
-          </a:p>
-          <a:p>
+              <a:t> SELECT </a:t>
+            </a:r>
+            <a:r>
+              <a:rPr lang="en-US" dirty="0" smtClean="0">
+                <a:latin typeface="Consolas"/>
+                <a:cs typeface="Consolas"/>
+              </a:rPr>
+              <a:t>"resources"</a:t>
+            </a:r>
             <a:r>
               <a:rPr lang="en-US" dirty="0">
                 <a:latin typeface="Consolas"/>
                 <a:cs typeface="Consolas"/>
               </a:rPr>
-              <a:t>    INNER JOIN "users" </a:t>
-            </a:r>
-          </a:p>
-          <a:p>
-            <a:r>
-              <a:rPr lang="en-US" dirty="0">
-                <a:latin typeface="Consolas"/>
-                <a:cs typeface="Consolas"/>
-              </a:rPr>
-              <a:t>      ON "</a:t>
-            </a:r>
-            <a:r>
-              <a:rPr lang="en-US" dirty="0" err="1">
-                <a:latin typeface="Consolas"/>
-                <a:cs typeface="Consolas"/>
-              </a:rPr>
-              <a:t>users"."id</a:t>
-            </a:r>
-            <a:r>
-              <a:rPr lang="en-US" dirty="0">
-                <a:latin typeface="Consolas"/>
-                <a:cs typeface="Consolas"/>
-              </a:rPr>
-              <a:t>" = "materials"."</a:t>
-            </a:r>
-            <a:r>
-              <a:rPr lang="en-US" dirty="0" err="1">
-                <a:latin typeface="Consolas"/>
-                <a:cs typeface="Consolas"/>
-              </a:rPr>
-              <a:t>user_id</a:t>
-            </a:r>
-            <a:r>
-              <a:rPr lang="en-US" dirty="0">
-                <a:latin typeface="Consolas"/>
-                <a:cs typeface="Consolas"/>
-              </a:rPr>
-              <a:t>"</a:t>
-            </a:r>
-          </a:p>
-          <a:p>
-            <a:r>
-              <a:rPr lang="en-US" dirty="0">
-                <a:latin typeface="Consolas"/>
-                <a:cs typeface="Consolas"/>
-              </a:rPr>
-              <a:t>    INNER JOIN "</a:t>
-            </a:r>
-            <a:r>
-              <a:rPr lang="en-US" dirty="0" err="1">
-                <a:latin typeface="Consolas"/>
-                <a:cs typeface="Consolas"/>
-              </a:rPr>
-              <a:t>authors_materials</a:t>
-            </a:r>
-            <a:r>
-              <a:rPr lang="en-US" dirty="0">
-                <a:latin typeface="Consolas"/>
-                <a:cs typeface="Consolas"/>
-              </a:rPr>
-              <a:t>" </a:t>
-            </a:r>
-          </a:p>
-          <a:p>
-            <a:r>
-              <a:rPr lang="en-US" dirty="0">
-                <a:latin typeface="Consolas"/>
-                <a:cs typeface="Consolas"/>
-              </a:rPr>
-              <a:t>      ON "</a:t>
-            </a:r>
-            <a:r>
-              <a:rPr lang="en-US" dirty="0" err="1">
-                <a:latin typeface="Consolas"/>
-                <a:cs typeface="Consolas"/>
-              </a:rPr>
-              <a:t>materials".id</a:t>
-            </a:r>
-            <a:r>
-              <a:rPr lang="en-US" dirty="0">
-                <a:latin typeface="Consolas"/>
-                <a:cs typeface="Consolas"/>
-              </a:rPr>
-              <a:t> = "authors_materials".</a:t>
-            </a:r>
-            <a:r>
-              <a:rPr lang="en-US" dirty="0" err="1">
-                <a:latin typeface="Consolas"/>
-                <a:cs typeface="Consolas"/>
-              </a:rPr>
-              <a:t>materials_id</a:t>
-            </a:r>
-            <a:r>
-              <a:rPr lang="en-US" dirty="0">
-                <a:latin typeface="Consolas"/>
-                <a:cs typeface="Consolas"/>
-              </a:rPr>
-              <a:t> </a:t>
-            </a:r>
-          </a:p>
-          <a:p>
-            <a:r>
-              <a:rPr lang="en-US" dirty="0">
-                <a:latin typeface="Consolas"/>
-                <a:cs typeface="Consolas"/>
-              </a:rPr>
-              <a:t>    INNER JOIN "authors" </a:t>
-            </a:r>
-          </a:p>
-          <a:p>
-            <a:r>
-              <a:rPr lang="en-US" dirty="0">
-                <a:latin typeface="Consolas"/>
-                <a:cs typeface="Consolas"/>
-              </a:rPr>
-              <a:t>      ON "authors_materials".</a:t>
-            </a:r>
-            <a:r>
-              <a:rPr lang="en-US" dirty="0" err="1">
-                <a:latin typeface="Consolas"/>
-                <a:cs typeface="Consolas"/>
-              </a:rPr>
-              <a:t>author_id</a:t>
-            </a:r>
-            <a:r>
-              <a:rPr lang="en-US" dirty="0">
-                <a:latin typeface="Consolas"/>
-                <a:cs typeface="Consolas"/>
-              </a:rPr>
-              <a:t> = "</a:t>
-            </a:r>
-            <a:r>
-              <a:rPr lang="en-US" dirty="0" err="1">
-                <a:latin typeface="Consolas"/>
-                <a:cs typeface="Consolas"/>
-              </a:rPr>
-              <a:t>authors".id</a:t>
-            </a:r>
-            <a:r>
-              <a:rPr lang="en-US" dirty="0">
-                <a:latin typeface="Consolas"/>
-                <a:cs typeface="Consolas"/>
-              </a:rPr>
-              <a:t> </a:t>
-            </a:r>
-          </a:p>
-          <a:p>
-            <a:r>
-              <a:rPr lang="en-US" dirty="0">
-                <a:latin typeface="Consolas"/>
-                <a:cs typeface="Consolas"/>
-              </a:rPr>
-              <a:t>    WHERE "</a:t>
-            </a:r>
-            <a:r>
-              <a:rPr lang="en-US" dirty="0" err="1">
-                <a:latin typeface="Consolas"/>
-                <a:cs typeface="Consolas"/>
-              </a:rPr>
-              <a:t>users"."id</a:t>
-            </a:r>
-            <a:r>
-              <a:rPr lang="en-US" dirty="0">
-                <a:latin typeface="Consolas"/>
-                <a:cs typeface="Consolas"/>
-              </a:rPr>
-              <a:t>" = 30 </a:t>
-            </a:r>
-          </a:p>
-          <a:p>
-            <a:r>
-              <a:rPr lang="en-US" dirty="0">
-                <a:latin typeface="Consolas"/>
-                <a:cs typeface="Consolas"/>
-              </a:rPr>
-              <a:t>      AND "</a:t>
-            </a:r>
-            <a:r>
-              <a:rPr lang="en-US" dirty="0" err="1">
-                <a:latin typeface="Consolas"/>
-                <a:cs typeface="Consolas"/>
-              </a:rPr>
-              <a:t>authors"."name</a:t>
-            </a:r>
-            <a:r>
-              <a:rPr lang="en-US" dirty="0">
-                <a:latin typeface="Consolas"/>
-                <a:cs typeface="Consolas"/>
-              </a:rPr>
-              <a:t>"='</a:t>
-            </a:r>
-            <a:r>
-              <a:rPr lang="en-US" dirty="0" err="1">
-                <a:latin typeface="Consolas"/>
-                <a:cs typeface="Consolas"/>
-              </a:rPr>
-              <a:t>Makayla</a:t>
-            </a:r>
-            <a:r>
-              <a:rPr lang="en-US" dirty="0">
-                <a:latin typeface="Consolas"/>
-                <a:cs typeface="Consolas"/>
-              </a:rPr>
-              <a:t> Hahn';</a:t>
+              <a:t>.* FROM </a:t>
+            </a:r>
+            <a:r>
+              <a:rPr lang="en-US" dirty="0" smtClean="0">
+                <a:latin typeface="Consolas"/>
+                <a:cs typeface="Consolas"/>
+              </a:rPr>
+              <a:t>"resources" </a:t>
             </a:r>
             <a:endParaRPr lang="en-US" dirty="0">
               <a:latin typeface="Consolas"/>
               <a:cs typeface="Consolas"/>
             </a:endParaRPr>
+          </a:p>
+          <a:p>
+            <a:r>
+              <a:rPr lang="en-US" dirty="0">
+                <a:latin typeface="Consolas"/>
+                <a:cs typeface="Consolas"/>
+              </a:rPr>
+              <a:t>    INNER JOIN "users" </a:t>
+            </a:r>
+          </a:p>
+          <a:p>
+            <a:r>
+              <a:rPr lang="en-US" dirty="0" smtClean="0">
+                <a:latin typeface="Consolas"/>
+                <a:cs typeface="Consolas"/>
+              </a:rPr>
+              <a:t>      ON "</a:t>
+            </a:r>
+            <a:r>
+              <a:rPr lang="en-US" dirty="0" err="1" smtClean="0">
+                <a:latin typeface="Consolas"/>
+                <a:cs typeface="Consolas"/>
+              </a:rPr>
+              <a:t>users"."id</a:t>
+            </a:r>
+            <a:r>
+              <a:rPr lang="en-US" dirty="0" smtClean="0">
+                <a:latin typeface="Consolas"/>
+                <a:cs typeface="Consolas"/>
+              </a:rPr>
+              <a:t>" = "resources"."</a:t>
+            </a:r>
+            <a:r>
+              <a:rPr lang="en-US" dirty="0" err="1" smtClean="0">
+                <a:latin typeface="Consolas"/>
+                <a:cs typeface="Consolas"/>
+              </a:rPr>
+              <a:t>user_id</a:t>
+            </a:r>
+            <a:r>
+              <a:rPr lang="en-US" dirty="0" smtClean="0">
+                <a:latin typeface="Consolas"/>
+                <a:cs typeface="Consolas"/>
+              </a:rPr>
+              <a:t>"</a:t>
+            </a:r>
+          </a:p>
+          <a:p>
+            <a:r>
+              <a:rPr lang="en-US" dirty="0" smtClean="0">
+                <a:latin typeface="Consolas"/>
+                <a:cs typeface="Consolas"/>
+              </a:rPr>
+              <a:t>    </a:t>
+            </a:r>
+            <a:r>
+              <a:rPr lang="en-US" dirty="0">
+                <a:latin typeface="Consolas"/>
+                <a:cs typeface="Consolas"/>
+              </a:rPr>
+              <a:t>INNER JOIN "</a:t>
+            </a:r>
+            <a:r>
+              <a:rPr lang="en-US" dirty="0" err="1">
+                <a:latin typeface="Consolas"/>
+                <a:cs typeface="Consolas"/>
+              </a:rPr>
+              <a:t>authors_resources</a:t>
+            </a:r>
+            <a:r>
+              <a:rPr lang="en-US" dirty="0">
+                <a:latin typeface="Consolas"/>
+                <a:cs typeface="Consolas"/>
+              </a:rPr>
+              <a:t>" </a:t>
+            </a:r>
+            <a:endParaRPr lang="en-US" dirty="0">
+              <a:latin typeface="Consolas"/>
+              <a:cs typeface="Consolas"/>
+            </a:endParaRPr>
+          </a:p>
+          <a:p>
+            <a:r>
+              <a:rPr lang="en-US" dirty="0">
+                <a:latin typeface="Consolas"/>
+                <a:cs typeface="Consolas"/>
+              </a:rPr>
+              <a:t>      ON </a:t>
+            </a:r>
+            <a:r>
+              <a:rPr lang="en-US" dirty="0">
+                <a:latin typeface="Consolas"/>
+                <a:cs typeface="Consolas"/>
+              </a:rPr>
+              <a:t>"</a:t>
+            </a:r>
+            <a:r>
+              <a:rPr lang="en-US" dirty="0" err="1">
+                <a:latin typeface="Consolas"/>
+                <a:cs typeface="Consolas"/>
+              </a:rPr>
+              <a:t>resources"</a:t>
+            </a:r>
+            <a:r>
+              <a:rPr lang="en-US" dirty="0" err="1">
+                <a:latin typeface="Consolas"/>
+                <a:cs typeface="Consolas"/>
+              </a:rPr>
+              <a:t>.id</a:t>
+            </a:r>
+            <a:r>
+              <a:rPr lang="en-US" dirty="0">
+                <a:latin typeface="Consolas"/>
+                <a:cs typeface="Consolas"/>
+              </a:rPr>
+              <a:t> = "</a:t>
+            </a:r>
+            <a:r>
+              <a:rPr lang="en-US" dirty="0" smtClean="0">
+                <a:latin typeface="Consolas"/>
+                <a:cs typeface="Consolas"/>
+              </a:rPr>
+              <a:t>authors_resources".</a:t>
+            </a:r>
+            <a:r>
+              <a:rPr lang="en-US" dirty="0" err="1" smtClean="0">
+                <a:latin typeface="Consolas"/>
+                <a:cs typeface="Consolas"/>
+              </a:rPr>
+              <a:t>resource_id</a:t>
+            </a:r>
+            <a:r>
+              <a:rPr lang="en-US" dirty="0" smtClean="0">
+                <a:latin typeface="Consolas"/>
+                <a:cs typeface="Consolas"/>
+              </a:rPr>
+              <a:t> </a:t>
+            </a:r>
+            <a:endParaRPr lang="en-US" dirty="0">
+              <a:latin typeface="Consolas"/>
+              <a:cs typeface="Consolas"/>
+            </a:endParaRPr>
+          </a:p>
+          <a:p>
+            <a:r>
+              <a:rPr lang="en-US" dirty="0">
+                <a:latin typeface="Consolas"/>
+                <a:cs typeface="Consolas"/>
+              </a:rPr>
+              <a:t>    INNER JOIN "authors" </a:t>
+            </a:r>
+          </a:p>
+          <a:p>
+            <a:r>
+              <a:rPr lang="en-US" dirty="0">
+                <a:latin typeface="Consolas"/>
+                <a:cs typeface="Consolas"/>
+              </a:rPr>
+              <a:t>      ON "</a:t>
+            </a:r>
+            <a:r>
+              <a:rPr lang="en-US" dirty="0">
+                <a:latin typeface="Consolas"/>
+                <a:cs typeface="Consolas"/>
+              </a:rPr>
+              <a:t>authors_resources"</a:t>
+            </a:r>
+            <a:r>
+              <a:rPr lang="en-US" dirty="0">
+                <a:latin typeface="Consolas"/>
+                <a:cs typeface="Consolas"/>
+              </a:rPr>
+              <a:t>.</a:t>
+            </a:r>
+            <a:r>
+              <a:rPr lang="en-US" dirty="0" err="1">
+                <a:latin typeface="Consolas"/>
+                <a:cs typeface="Consolas"/>
+              </a:rPr>
+              <a:t>author_id</a:t>
+            </a:r>
+            <a:r>
+              <a:rPr lang="en-US" dirty="0">
+                <a:latin typeface="Consolas"/>
+                <a:cs typeface="Consolas"/>
+              </a:rPr>
+              <a:t> = "</a:t>
+            </a:r>
+            <a:r>
+              <a:rPr lang="en-US" dirty="0" err="1">
+                <a:latin typeface="Consolas"/>
+                <a:cs typeface="Consolas"/>
+              </a:rPr>
+              <a:t>authors".id</a:t>
+            </a:r>
+            <a:r>
+              <a:rPr lang="en-US" dirty="0">
+                <a:latin typeface="Consolas"/>
+                <a:cs typeface="Consolas"/>
+              </a:rPr>
+              <a:t> </a:t>
+            </a:r>
+          </a:p>
+          <a:p>
+            <a:r>
+              <a:rPr lang="en-US" dirty="0">
+                <a:latin typeface="Consolas"/>
+                <a:cs typeface="Consolas"/>
+              </a:rPr>
+              <a:t>    WHERE "</a:t>
+            </a:r>
+            <a:r>
+              <a:rPr lang="en-US" dirty="0" err="1">
+                <a:latin typeface="Consolas"/>
+                <a:cs typeface="Consolas"/>
+              </a:rPr>
+              <a:t>users"."id</a:t>
+            </a:r>
+            <a:r>
+              <a:rPr lang="en-US" dirty="0">
+                <a:latin typeface="Consolas"/>
+                <a:cs typeface="Consolas"/>
+              </a:rPr>
+              <a:t>" = 30 </a:t>
+            </a:r>
+          </a:p>
+          <a:p>
+            <a:r>
+              <a:rPr lang="en-US" dirty="0">
+                <a:latin typeface="Consolas"/>
+                <a:cs typeface="Consolas"/>
+              </a:rPr>
+              <a:t>      AND "</a:t>
+            </a:r>
+            <a:r>
+              <a:rPr lang="en-US" dirty="0" err="1">
+                <a:latin typeface="Consolas"/>
+                <a:cs typeface="Consolas"/>
+              </a:rPr>
+              <a:t>authors"."name</a:t>
+            </a:r>
+            <a:r>
+              <a:rPr lang="en-US" dirty="0">
+                <a:latin typeface="Consolas"/>
+                <a:cs typeface="Consolas"/>
+              </a:rPr>
+              <a:t>"='</a:t>
+            </a:r>
+            <a:r>
+              <a:rPr lang="en-US" dirty="0" err="1">
+                <a:latin typeface="Consolas"/>
+                <a:cs typeface="Consolas"/>
+              </a:rPr>
+              <a:t>Makayla</a:t>
+            </a:r>
+            <a:r>
+              <a:rPr lang="en-US" dirty="0">
+                <a:latin typeface="Consolas"/>
+                <a:cs typeface="Consolas"/>
+              </a:rPr>
+              <a:t> Hahn';</a:t>
+            </a:r>
           </a:p>
         </p:txBody>
       </p:sp>
@@ -13259,7 +13336,7 @@
         </p:nvSpPr>
         <p:spPr>
           <a:xfrm>
-            <a:off x="2967790" y="2392947"/>
+            <a:off x="3447685" y="2619725"/>
             <a:ext cx="2981158" cy="2219158"/>
           </a:xfrm>
           <a:prstGeom prst="irregularSeal1">
@@ -13511,11 +13588,7 @@
             </a:r>
             <a:r>
               <a:rPr lang="en-US" dirty="0" err="1" smtClean="0"/>
-              <a:t>fun</a:t>
-            </a:r>
-            <a:r>
-              <a:rPr lang="en-US" dirty="0" err="1" smtClean="0"/>
-              <a:t>ções</a:t>
+              <a:t>funções</a:t>
             </a:r>
             <a:r>
               <a:rPr lang="en-US" dirty="0" smtClean="0"/>
@@ -13618,11 +13691,7 @@
           <a:p>
             <a:r>
               <a:rPr lang="en-US" dirty="0" err="1" smtClean="0"/>
-              <a:t>Notifica</a:t>
-            </a:r>
-            <a:r>
-              <a:rPr lang="en-US" dirty="0" err="1" smtClean="0"/>
-              <a:t>ções</a:t>
+              <a:t>Notificações</a:t>
             </a:r>
             <a:r>
               <a:rPr lang="en-US" dirty="0" smtClean="0"/>
@@ -13784,6 +13853,13 @@
   <p:clrMapOvr>
     <a:masterClrMapping/>
   </p:clrMapOvr>
+  <p:timing>
+    <p:tnLst>
+      <p:par>
+        <p:cTn xmlns:p14="http://schemas.microsoft.com/office/powerpoint/2010/main" id="1" dur="indefinite" restart="never" nodeType="tmRoot"/>
+      </p:par>
+    </p:tnLst>
+  </p:timing>
 </p:sld>
 </file>
 
@@ -13821,11 +13897,7 @@
           <a:p>
             <a:r>
               <a:rPr lang="en-US" dirty="0" err="1" smtClean="0"/>
-              <a:t>Implementa</a:t>
-            </a:r>
-            <a:r>
-              <a:rPr lang="en-US" dirty="0" err="1" smtClean="0"/>
-              <a:t>ção</a:t>
+              <a:t>Implementação</a:t>
             </a:r>
             <a:endParaRPr lang="en-US" dirty="0"/>
           </a:p>
@@ -14045,6 +14117,13 @@
   <p:clrMapOvr>
     <a:masterClrMapping/>
   </p:clrMapOvr>
+  <p:timing>
+    <p:tnLst>
+      <p:par>
+        <p:cTn xmlns:p14="http://schemas.microsoft.com/office/powerpoint/2010/main" id="1" dur="indefinite" restart="never" nodeType="tmRoot"/>
+      </p:par>
+    </p:tnLst>
+  </p:timing>
 </p:sld>
 </file>
 
@@ -14082,11 +14161,7 @@
           <a:p>
             <a:r>
               <a:rPr lang="en-US" dirty="0" err="1" smtClean="0"/>
-              <a:t>Implementa</a:t>
-            </a:r>
-            <a:r>
-              <a:rPr lang="en-US" dirty="0" err="1" smtClean="0"/>
-              <a:t>ção</a:t>
+              <a:t>Implementação</a:t>
             </a:r>
             <a:endParaRPr lang="en-US" dirty="0"/>
           </a:p>
@@ -14447,6 +14522,13 @@
   <p:clrMapOvr>
     <a:masterClrMapping/>
   </p:clrMapOvr>
+  <p:timing>
+    <p:tnLst>
+      <p:par>
+        <p:cTn xmlns:p14="http://schemas.microsoft.com/office/powerpoint/2010/main" id="1" dur="indefinite" restart="never" nodeType="tmRoot"/>
+      </p:par>
+    </p:tnLst>
+  </p:timing>
 </p:sld>
 </file>
 
@@ -14484,11 +14566,7 @@
           <a:p>
             <a:r>
               <a:rPr lang="en-US" dirty="0" err="1" smtClean="0"/>
-              <a:t>Implementa</a:t>
-            </a:r>
-            <a:r>
-              <a:rPr lang="en-US" dirty="0" err="1" smtClean="0"/>
-              <a:t>ção</a:t>
+              <a:t>Implementação</a:t>
             </a:r>
             <a:endParaRPr lang="en-US" dirty="0"/>
           </a:p>
@@ -14511,11 +14589,7 @@
           <a:p>
             <a:r>
               <a:rPr lang="en-US" dirty="0" err="1" smtClean="0"/>
-              <a:t>Cria</a:t>
-            </a:r>
-            <a:r>
-              <a:rPr lang="en-US" dirty="0" err="1" smtClean="0"/>
-              <a:t>ção</a:t>
+              <a:t>Criação</a:t>
             </a:r>
             <a:r>
               <a:rPr lang="en-US" dirty="0" smtClean="0"/>
@@ -14652,6 +14726,13 @@
   <p:clrMapOvr>
     <a:masterClrMapping/>
   </p:clrMapOvr>
+  <p:timing>
+    <p:tnLst>
+      <p:par>
+        <p:cTn xmlns:p14="http://schemas.microsoft.com/office/powerpoint/2010/main" id="1" dur="indefinite" restart="never" nodeType="tmRoot"/>
+      </p:par>
+    </p:tnLst>
+  </p:timing>
 </p:sld>
 </file>
 
@@ -14720,11 +14801,7 @@
             </a:r>
             <a:r>
               <a:rPr lang="en-US" dirty="0" err="1" smtClean="0"/>
-              <a:t>concorr</a:t>
-            </a:r>
-            <a:r>
-              <a:rPr lang="en-US" dirty="0" err="1" smtClean="0"/>
-              <a:t>ência</a:t>
+              <a:t>concorrência</a:t>
             </a:r>
             <a:r>
               <a:rPr lang="en-US" dirty="0" smtClean="0"/>
@@ -14748,6 +14825,13 @@
   <p:clrMapOvr>
     <a:masterClrMapping/>
   </p:clrMapOvr>
+  <p:timing>
+    <p:tnLst>
+      <p:par>
+        <p:cTn xmlns:p14="http://schemas.microsoft.com/office/powerpoint/2010/main" id="1" dur="indefinite" restart="never" nodeType="tmRoot"/>
+      </p:par>
+    </p:tnLst>
+  </p:timing>
 </p:sld>
 </file>
 
@@ -14821,11 +14905,7 @@
             </a:r>
             <a:r>
               <a:rPr lang="en-US" dirty="0" err="1" smtClean="0"/>
-              <a:t>transa</a:t>
-            </a:r>
-            <a:r>
-              <a:rPr lang="en-US" dirty="0" err="1" smtClean="0"/>
-              <a:t>ções</a:t>
+              <a:t>transações</a:t>
             </a:r>
             <a:r>
               <a:rPr lang="en-US" dirty="0" smtClean="0"/>
@@ -15041,6 +15121,13 @@
   <p:clrMapOvr>
     <a:masterClrMapping/>
   </p:clrMapOvr>
+  <p:timing>
+    <p:tnLst>
+      <p:par>
+        <p:cTn xmlns:p14="http://schemas.microsoft.com/office/powerpoint/2010/main" id="1" dur="indefinite" restart="never" nodeType="tmRoot"/>
+      </p:par>
+    </p:tnLst>
+  </p:timing>
 </p:sld>
 </file>
 
@@ -15129,6 +15216,737 @@
   <p:clrMapOvr>
     <a:masterClrMapping/>
   </p:clrMapOvr>
+  <p:timing>
+    <p:tnLst>
+      <p:par>
+        <p:cTn xmlns:p14="http://schemas.microsoft.com/office/powerpoint/2010/main" id="1" dur="indefinite" restart="never" nodeType="tmRoot"/>
+      </p:par>
+    </p:tnLst>
+  </p:timing>
+</p:sld>
+</file>
+
+<file path=ppt/slides/slide20.xml><?xml version="1.0" encoding="utf-8"?>
+<p:sld xmlns:a="http://schemas.openxmlformats.org/drawingml/2006/main" xmlns:r="http://schemas.openxmlformats.org/officeDocument/2006/relationships" xmlns:p="http://schemas.openxmlformats.org/presentationml/2006/main">
+  <p:cSld>
+    <p:spTree>
+      <p:nvGrpSpPr>
+        <p:cNvPr id="1" name=""/>
+        <p:cNvGrpSpPr/>
+        <p:nvPr/>
+      </p:nvGrpSpPr>
+      <p:grpSpPr>
+        <a:xfrm>
+          <a:off x="0" y="0"/>
+          <a:ext cx="0" cy="0"/>
+          <a:chOff x="0" y="0"/>
+          <a:chExt cx="0" cy="0"/>
+        </a:xfrm>
+      </p:grpSpPr>
+      <p:sp>
+        <p:nvSpPr>
+          <p:cNvPr id="4" name="Rectangle 3"/>
+          <p:cNvSpPr/>
+          <p:nvPr/>
+        </p:nvSpPr>
+        <p:spPr>
+          <a:xfrm>
+            <a:off x="828843" y="-1"/>
+            <a:ext cx="7098632" cy="6791158"/>
+          </a:xfrm>
+          <a:prstGeom prst="rect">
+            <a:avLst/>
+          </a:prstGeom>
+          <a:solidFill>
+            <a:srgbClr val="262626"/>
+          </a:solidFill>
+          <a:ln>
+            <a:solidFill>
+              <a:srgbClr val="262626"/>
+            </a:solidFill>
+          </a:ln>
+        </p:spPr>
+        <p:style>
+          <a:lnRef idx="1">
+            <a:schemeClr val="dk1"/>
+          </a:lnRef>
+          <a:fillRef idx="3">
+            <a:schemeClr val="dk1"/>
+          </a:fillRef>
+          <a:effectRef idx="2">
+            <a:schemeClr val="dk1"/>
+          </a:effectRef>
+          <a:fontRef idx="minor">
+            <a:schemeClr val="lt1"/>
+          </a:fontRef>
+        </p:style>
+        <p:txBody>
+          <a:bodyPr rtlCol="0" anchor="ctr"/>
+          <a:lstStyle/>
+          <a:p>
+            <a:r>
+              <a:rPr lang="en-US" sz="1400" dirty="0">
+                <a:latin typeface="Consolas"/>
+                <a:cs typeface="Consolas"/>
+              </a:rPr>
+              <a:t>BEGIN</a:t>
+            </a:r>
+          </a:p>
+          <a:p>
+            <a:r>
+              <a:rPr lang="en-US" sz="1400" dirty="0">
+                <a:latin typeface="Consolas"/>
+                <a:cs typeface="Consolas"/>
+              </a:rPr>
+              <a:t>  INSERT INTO "resources" ("</a:t>
+            </a:r>
+            <a:r>
+              <a:rPr lang="en-US" sz="1400" dirty="0" err="1">
+                <a:latin typeface="Consolas"/>
+                <a:cs typeface="Consolas"/>
+              </a:rPr>
+              <a:t>accessed_at</a:t>
+            </a:r>
+            <a:r>
+              <a:rPr lang="en-US" sz="1400" dirty="0">
+                <a:latin typeface="Consolas"/>
+                <a:cs typeface="Consolas"/>
+              </a:rPr>
+              <a:t>", "</a:t>
+            </a:r>
+            <a:r>
+              <a:rPr lang="en-US" sz="1400" dirty="0" err="1">
+                <a:latin typeface="Consolas"/>
+                <a:cs typeface="Consolas"/>
+              </a:rPr>
+              <a:t>created_at</a:t>
+            </a:r>
+            <a:r>
+              <a:rPr lang="en-US" sz="1400" dirty="0">
+                <a:latin typeface="Consolas"/>
+                <a:cs typeface="Consolas"/>
+              </a:rPr>
+              <a:t>", "file", </a:t>
+            </a:r>
+          </a:p>
+          <a:p>
+            <a:r>
+              <a:rPr lang="en-US" sz="1400" dirty="0">
+                <a:latin typeface="Consolas"/>
+                <a:cs typeface="Consolas"/>
+              </a:rPr>
+              <a:t>    "</a:t>
+            </a:r>
+            <a:r>
+              <a:rPr lang="en-US" sz="1400" dirty="0" err="1">
+                <a:latin typeface="Consolas"/>
+                <a:cs typeface="Consolas"/>
+              </a:rPr>
+              <a:t>isbn</a:t>
+            </a:r>
+            <a:r>
+              <a:rPr lang="en-US" sz="1400" dirty="0">
+                <a:latin typeface="Consolas"/>
+                <a:cs typeface="Consolas"/>
+              </a:rPr>
+              <a:t>", "issue", "publisher", "</a:t>
+            </a:r>
+            <a:r>
+              <a:rPr lang="en-US" sz="1400" dirty="0" err="1">
+                <a:latin typeface="Consolas"/>
+                <a:cs typeface="Consolas"/>
+              </a:rPr>
+              <a:t>read_at</a:t>
+            </a:r>
+            <a:r>
+              <a:rPr lang="en-US" sz="1400" dirty="0">
+                <a:latin typeface="Consolas"/>
+                <a:cs typeface="Consolas"/>
+              </a:rPr>
+              <a:t>", "relevance", "title", </a:t>
+            </a:r>
+          </a:p>
+          <a:p>
+            <a:r>
+              <a:rPr lang="en-US" sz="1400" dirty="0">
+                <a:latin typeface="Consolas"/>
+                <a:cs typeface="Consolas"/>
+              </a:rPr>
+              <a:t>    "type", "</a:t>
+            </a:r>
+            <a:r>
+              <a:rPr lang="en-US" sz="1400" dirty="0" err="1">
+                <a:latin typeface="Consolas"/>
+                <a:cs typeface="Consolas"/>
+              </a:rPr>
+              <a:t>updated_at</a:t>
+            </a:r>
+            <a:r>
+              <a:rPr lang="en-US" sz="1400" dirty="0">
+                <a:latin typeface="Consolas"/>
+                <a:cs typeface="Consolas"/>
+              </a:rPr>
+              <a:t>", "</a:t>
+            </a:r>
+            <a:r>
+              <a:rPr lang="en-US" sz="1400" dirty="0" err="1">
+                <a:latin typeface="Consolas"/>
+                <a:cs typeface="Consolas"/>
+              </a:rPr>
+              <a:t>user_id</a:t>
+            </a:r>
+            <a:r>
+              <a:rPr lang="en-US" sz="1400" dirty="0">
+                <a:latin typeface="Consolas"/>
+                <a:cs typeface="Consolas"/>
+              </a:rPr>
+              <a:t>", "volume", "year") </a:t>
+            </a:r>
+          </a:p>
+          <a:p>
+            <a:r>
+              <a:rPr lang="en-US" sz="1400" dirty="0">
+                <a:latin typeface="Consolas"/>
+                <a:cs typeface="Consolas"/>
+              </a:rPr>
+              <a:t>    VALUES ($1, $2, $3, $4, $5, $6, $7, $8, $9, $10, $11, $12, </a:t>
+            </a:r>
+          </a:p>
+          <a:p>
+            <a:r>
+              <a:rPr lang="en-US" sz="1400" dirty="0">
+                <a:latin typeface="Consolas"/>
+                <a:cs typeface="Consolas"/>
+              </a:rPr>
+              <a:t>      $13, $14) </a:t>
+            </a:r>
+          </a:p>
+          <a:p>
+            <a:r>
+              <a:rPr lang="en-US" sz="1400" dirty="0">
+                <a:latin typeface="Consolas"/>
+                <a:cs typeface="Consolas"/>
+              </a:rPr>
+              <a:t>    RETURNING "id"  [["</a:t>
+            </a:r>
+            <a:r>
+              <a:rPr lang="en-US" sz="1400" dirty="0" err="1">
+                <a:latin typeface="Consolas"/>
+                <a:cs typeface="Consolas"/>
+              </a:rPr>
+              <a:t>accessed_at</a:t>
+            </a:r>
+            <a:r>
+              <a:rPr lang="en-US" sz="1400" dirty="0">
+                <a:latin typeface="Consolas"/>
+                <a:cs typeface="Consolas"/>
+              </a:rPr>
+              <a:t>", nil], ["file", nil], </a:t>
+            </a:r>
+          </a:p>
+          <a:p>
+            <a:r>
+              <a:rPr lang="en-US" sz="1400" dirty="0">
+                <a:latin typeface="Consolas"/>
+                <a:cs typeface="Consolas"/>
+              </a:rPr>
+              <a:t>    ["</a:t>
+            </a:r>
+            <a:r>
+              <a:rPr lang="en-US" sz="1400" dirty="0" err="1">
+                <a:latin typeface="Consolas"/>
+                <a:cs typeface="Consolas"/>
+              </a:rPr>
+              <a:t>isbn</a:t>
+            </a:r>
+            <a:r>
+              <a:rPr lang="en-US" sz="1400" dirty="0">
+                <a:latin typeface="Consolas"/>
+                <a:cs typeface="Consolas"/>
+              </a:rPr>
+              <a:t>", nil], ["issue", ""], ["publisher", "Macmillan"], </a:t>
+            </a:r>
+          </a:p>
+          <a:p>
+            <a:r>
+              <a:rPr lang="en-US" sz="1400" dirty="0">
+                <a:latin typeface="Consolas"/>
+                <a:cs typeface="Consolas"/>
+              </a:rPr>
+              <a:t>    ["</a:t>
+            </a:r>
+            <a:r>
+              <a:rPr lang="en-US" sz="1400" dirty="0" err="1">
+                <a:latin typeface="Consolas"/>
+                <a:cs typeface="Consolas"/>
+              </a:rPr>
+              <a:t>read_at</a:t>
+            </a:r>
+            <a:r>
+              <a:rPr lang="en-US" sz="1400" dirty="0">
+                <a:latin typeface="Consolas"/>
+                <a:cs typeface="Consolas"/>
+              </a:rPr>
+              <a:t>", nil], ["relevance", 5], ["</a:t>
+            </a:r>
+            <a:r>
+              <a:rPr lang="en-US" sz="1400" dirty="0" err="1">
+                <a:latin typeface="Consolas"/>
+                <a:cs typeface="Consolas"/>
+              </a:rPr>
+              <a:t>user_id</a:t>
+            </a:r>
+            <a:r>
+              <a:rPr lang="en-US" sz="1400" dirty="0">
+                <a:latin typeface="Consolas"/>
+                <a:cs typeface="Consolas"/>
+              </a:rPr>
+              <a:t>", 1],</a:t>
+            </a:r>
+          </a:p>
+          <a:p>
+            <a:r>
+              <a:rPr lang="en-US" sz="1400" dirty="0">
+                <a:latin typeface="Consolas"/>
+                <a:cs typeface="Consolas"/>
+              </a:rPr>
+              <a:t>    ["title", "Alice's Adventures in Wonderland"],</a:t>
+            </a:r>
+          </a:p>
+          <a:p>
+            <a:r>
+              <a:rPr lang="en-US" sz="1400" dirty="0">
+                <a:latin typeface="Consolas"/>
+                <a:cs typeface="Consolas"/>
+              </a:rPr>
+              <a:t>    ["year", "1865"]], ["volume", ""], ["type", "Article"], </a:t>
+            </a:r>
+          </a:p>
+          <a:p>
+            <a:r>
+              <a:rPr lang="en-US" sz="1400" dirty="0">
+                <a:latin typeface="Consolas"/>
+                <a:cs typeface="Consolas"/>
+              </a:rPr>
+              <a:t>    ["</a:t>
+            </a:r>
+            <a:r>
+              <a:rPr lang="en-US" sz="1400" dirty="0" err="1">
+                <a:latin typeface="Consolas"/>
+                <a:cs typeface="Consolas"/>
+              </a:rPr>
+              <a:t>created_at</a:t>
+            </a:r>
+            <a:r>
+              <a:rPr lang="en-US" sz="1400" dirty="0">
+                <a:latin typeface="Consolas"/>
+                <a:cs typeface="Consolas"/>
+              </a:rPr>
+              <a:t>", Thu, 28 Feb 2013 16:20:52 UTC +00:00], </a:t>
+            </a:r>
+          </a:p>
+          <a:p>
+            <a:r>
+              <a:rPr lang="en-US" sz="1400" dirty="0">
+                <a:latin typeface="Consolas"/>
+                <a:cs typeface="Consolas"/>
+              </a:rPr>
+              <a:t>    ["</a:t>
+            </a:r>
+            <a:r>
+              <a:rPr lang="en-US" sz="1400" dirty="0" err="1">
+                <a:latin typeface="Consolas"/>
+                <a:cs typeface="Consolas"/>
+              </a:rPr>
+              <a:t>updated_at</a:t>
+            </a:r>
+            <a:r>
+              <a:rPr lang="en-US" sz="1400" dirty="0">
+                <a:latin typeface="Consolas"/>
+                <a:cs typeface="Consolas"/>
+              </a:rPr>
+              <a:t>", Thu, 28 Feb 2013 16:20:52 UTC +00:00];</a:t>
+            </a:r>
+          </a:p>
+          <a:p>
+            <a:endParaRPr lang="en-US" sz="1400" dirty="0">
+              <a:latin typeface="Consolas"/>
+              <a:cs typeface="Consolas"/>
+            </a:endParaRPr>
+          </a:p>
+          <a:p>
+            <a:r>
+              <a:rPr lang="en-US" sz="1400" dirty="0">
+                <a:latin typeface="Consolas"/>
+                <a:cs typeface="Consolas"/>
+              </a:rPr>
+              <a:t>  SELECT "authors".* FROM "authors" INNER JOIN "</a:t>
+            </a:r>
+            <a:r>
+              <a:rPr lang="en-US" sz="1400" dirty="0" err="1">
+                <a:latin typeface="Consolas"/>
+                <a:cs typeface="Consolas"/>
+              </a:rPr>
+              <a:t>authors_resources</a:t>
+            </a:r>
+            <a:r>
+              <a:rPr lang="en-US" sz="1400" dirty="0">
+                <a:latin typeface="Consolas"/>
+                <a:cs typeface="Consolas"/>
+              </a:rPr>
+              <a:t>" </a:t>
+            </a:r>
+          </a:p>
+          <a:p>
+            <a:r>
+              <a:rPr lang="en-US" sz="1400" dirty="0">
+                <a:latin typeface="Consolas"/>
+                <a:cs typeface="Consolas"/>
+              </a:rPr>
+              <a:t>    ON "</a:t>
+            </a:r>
+            <a:r>
+              <a:rPr lang="en-US" sz="1400" dirty="0" err="1">
+                <a:latin typeface="Consolas"/>
+                <a:cs typeface="Consolas"/>
+              </a:rPr>
+              <a:t>authors"."id</a:t>
+            </a:r>
+            <a:r>
+              <a:rPr lang="en-US" sz="1400" dirty="0">
+                <a:latin typeface="Consolas"/>
+                <a:cs typeface="Consolas"/>
+              </a:rPr>
+              <a:t>" = "authors_resources"."</a:t>
+            </a:r>
+            <a:r>
+              <a:rPr lang="en-US" sz="1400" dirty="0" err="1">
+                <a:latin typeface="Consolas"/>
+                <a:cs typeface="Consolas"/>
+              </a:rPr>
+              <a:t>author_id</a:t>
+            </a:r>
+            <a:r>
+              <a:rPr lang="en-US" sz="1400" dirty="0">
+                <a:latin typeface="Consolas"/>
+                <a:cs typeface="Consolas"/>
+              </a:rPr>
+              <a:t>" </a:t>
+            </a:r>
+          </a:p>
+          <a:p>
+            <a:r>
+              <a:rPr lang="en-US" sz="1400" dirty="0">
+                <a:latin typeface="Consolas"/>
+                <a:cs typeface="Consolas"/>
+              </a:rPr>
+              <a:t>    WHERE "authors_resources"."</a:t>
+            </a:r>
+            <a:r>
+              <a:rPr lang="en-US" sz="1400" dirty="0" err="1">
+                <a:latin typeface="Consolas"/>
+                <a:cs typeface="Consolas"/>
+              </a:rPr>
+              <a:t>resource_id</a:t>
+            </a:r>
+            <a:r>
+              <a:rPr lang="en-US" sz="1400" dirty="0">
+                <a:latin typeface="Consolas"/>
+                <a:cs typeface="Consolas"/>
+              </a:rPr>
+              <a:t>" IS NULL;</a:t>
+            </a:r>
+          </a:p>
+          <a:p>
+            <a:endParaRPr lang="en-US" sz="1400" dirty="0">
+              <a:latin typeface="Consolas"/>
+              <a:cs typeface="Consolas"/>
+            </a:endParaRPr>
+          </a:p>
+          <a:p>
+            <a:r>
+              <a:rPr lang="en-US" sz="1400" dirty="0">
+                <a:latin typeface="Consolas"/>
+                <a:cs typeface="Consolas"/>
+              </a:rPr>
+              <a:t>  SELECT "authors".* FROM "authors" </a:t>
+            </a:r>
+          </a:p>
+          <a:p>
+            <a:r>
+              <a:rPr lang="en-US" sz="1400" dirty="0">
+                <a:latin typeface="Consolas"/>
+                <a:cs typeface="Consolas"/>
+              </a:rPr>
+              <a:t>    WHERE "</a:t>
+            </a:r>
+            <a:r>
+              <a:rPr lang="en-US" sz="1400" dirty="0" err="1">
+                <a:latin typeface="Consolas"/>
+                <a:cs typeface="Consolas"/>
+              </a:rPr>
+              <a:t>authors"."name</a:t>
+            </a:r>
+            <a:r>
+              <a:rPr lang="en-US" sz="1400" dirty="0">
+                <a:latin typeface="Consolas"/>
+                <a:cs typeface="Consolas"/>
+              </a:rPr>
+              <a:t>" = 'Lewis </a:t>
+            </a:r>
+            <a:r>
+              <a:rPr lang="en-US" sz="1400" dirty="0" err="1">
+                <a:latin typeface="Consolas"/>
+                <a:cs typeface="Consolas"/>
+              </a:rPr>
+              <a:t>Caroll</a:t>
+            </a:r>
+            <a:r>
+              <a:rPr lang="en-US" sz="1400" dirty="0">
+                <a:latin typeface="Consolas"/>
+                <a:cs typeface="Consolas"/>
+              </a:rPr>
+              <a:t>' LIMIT 1</a:t>
+            </a:r>
+          </a:p>
+          <a:p>
+            <a:endParaRPr lang="en-US" sz="1400" dirty="0">
+              <a:latin typeface="Consolas"/>
+              <a:cs typeface="Consolas"/>
+            </a:endParaRPr>
+          </a:p>
+          <a:p>
+            <a:r>
+              <a:rPr lang="en-US" sz="1400" dirty="0">
+                <a:latin typeface="Consolas"/>
+                <a:cs typeface="Consolas"/>
+              </a:rPr>
+              <a:t>  INSERT INTO "authors" </a:t>
+            </a:r>
+          </a:p>
+          <a:p>
+            <a:r>
+              <a:rPr lang="en-US" sz="1400" dirty="0">
+                <a:latin typeface="Consolas"/>
+                <a:cs typeface="Consolas"/>
+              </a:rPr>
+              <a:t>    ("</a:t>
+            </a:r>
+            <a:r>
+              <a:rPr lang="en-US" sz="1400" dirty="0" err="1">
+                <a:latin typeface="Consolas"/>
+                <a:cs typeface="Consolas"/>
+              </a:rPr>
+              <a:t>created_at</a:t>
+            </a:r>
+            <a:r>
+              <a:rPr lang="en-US" sz="1400" dirty="0">
+                <a:latin typeface="Consolas"/>
+                <a:cs typeface="Consolas"/>
+              </a:rPr>
+              <a:t>", "name", "</a:t>
+            </a:r>
+            <a:r>
+              <a:rPr lang="en-US" sz="1400" dirty="0" err="1">
+                <a:latin typeface="Consolas"/>
+                <a:cs typeface="Consolas"/>
+              </a:rPr>
+              <a:t>updated_at</a:t>
+            </a:r>
+            <a:r>
+              <a:rPr lang="en-US" sz="1400" dirty="0">
+                <a:latin typeface="Consolas"/>
+                <a:cs typeface="Consolas"/>
+              </a:rPr>
+              <a:t>") VALUES ($1, $2, $3) </a:t>
+            </a:r>
+          </a:p>
+          <a:p>
+            <a:r>
+              <a:rPr lang="en-US" sz="1400" dirty="0">
+                <a:latin typeface="Consolas"/>
+                <a:cs typeface="Consolas"/>
+              </a:rPr>
+              <a:t>    RETURNING "id"  [</a:t>
+            </a:r>
+          </a:p>
+          <a:p>
+            <a:r>
+              <a:rPr lang="en-US" sz="1400" dirty="0">
+                <a:latin typeface="Consolas"/>
+                <a:cs typeface="Consolas"/>
+              </a:rPr>
+              <a:t>      ["</a:t>
+            </a:r>
+            <a:r>
+              <a:rPr lang="en-US" sz="1400" dirty="0" err="1">
+                <a:latin typeface="Consolas"/>
+                <a:cs typeface="Consolas"/>
+              </a:rPr>
+              <a:t>created_at</a:t>
+            </a:r>
+            <a:r>
+              <a:rPr lang="en-US" sz="1400" dirty="0">
+                <a:latin typeface="Consolas"/>
+                <a:cs typeface="Consolas"/>
+              </a:rPr>
+              <a:t>", Thu, 28 Feb 2013 16:20:53 UTC +00:00], </a:t>
+            </a:r>
+          </a:p>
+          <a:p>
+            <a:r>
+              <a:rPr lang="en-US" sz="1400" dirty="0">
+                <a:latin typeface="Consolas"/>
+                <a:cs typeface="Consolas"/>
+              </a:rPr>
+              <a:t>      ["name", "Lewis </a:t>
+            </a:r>
+            <a:r>
+              <a:rPr lang="en-US" sz="1400" dirty="0" err="1">
+                <a:latin typeface="Consolas"/>
+                <a:cs typeface="Consolas"/>
+              </a:rPr>
+              <a:t>Caroll</a:t>
+            </a:r>
+            <a:r>
+              <a:rPr lang="en-US" sz="1400" dirty="0">
+                <a:latin typeface="Consolas"/>
+                <a:cs typeface="Consolas"/>
+              </a:rPr>
+              <a:t>"], </a:t>
+            </a:r>
+          </a:p>
+          <a:p>
+            <a:r>
+              <a:rPr lang="en-US" sz="1400" dirty="0">
+                <a:latin typeface="Consolas"/>
+                <a:cs typeface="Consolas"/>
+              </a:rPr>
+              <a:t>      ["</a:t>
+            </a:r>
+            <a:r>
+              <a:rPr lang="en-US" sz="1400" dirty="0" err="1">
+                <a:latin typeface="Consolas"/>
+                <a:cs typeface="Consolas"/>
+              </a:rPr>
+              <a:t>updated_at</a:t>
+            </a:r>
+            <a:r>
+              <a:rPr lang="en-US" sz="1400" dirty="0">
+                <a:latin typeface="Consolas"/>
+                <a:cs typeface="Consolas"/>
+              </a:rPr>
+              <a:t>", Thu, 28 Feb 2013 16:20:53 UTC +00:00]]</a:t>
+            </a:r>
+          </a:p>
+          <a:p>
+            <a:endParaRPr lang="en-US" sz="1400" dirty="0">
+              <a:latin typeface="Consolas"/>
+              <a:cs typeface="Consolas"/>
+            </a:endParaRPr>
+          </a:p>
+          <a:p>
+            <a:r>
+              <a:rPr lang="en-US" sz="1400" dirty="0">
+                <a:latin typeface="Consolas"/>
+                <a:cs typeface="Consolas"/>
+              </a:rPr>
+              <a:t>  INSERT INTO "</a:t>
+            </a:r>
+            <a:r>
+              <a:rPr lang="en-US" sz="1400" dirty="0" err="1">
+                <a:latin typeface="Consolas"/>
+                <a:cs typeface="Consolas"/>
+              </a:rPr>
+              <a:t>authors_resources</a:t>
+            </a:r>
+            <a:r>
+              <a:rPr lang="en-US" sz="1400" dirty="0">
+                <a:latin typeface="Consolas"/>
+                <a:cs typeface="Consolas"/>
+              </a:rPr>
+              <a:t>" ("</a:t>
+            </a:r>
+            <a:r>
+              <a:rPr lang="en-US" sz="1400" dirty="0" err="1">
+                <a:latin typeface="Consolas"/>
+                <a:cs typeface="Consolas"/>
+              </a:rPr>
+              <a:t>resource_id</a:t>
+            </a:r>
+            <a:r>
+              <a:rPr lang="en-US" sz="1400" dirty="0">
+                <a:latin typeface="Consolas"/>
+                <a:cs typeface="Consolas"/>
+              </a:rPr>
+              <a:t>", "</a:t>
+            </a:r>
+            <a:r>
+              <a:rPr lang="en-US" sz="1400" dirty="0" err="1">
+                <a:latin typeface="Consolas"/>
+                <a:cs typeface="Consolas"/>
+              </a:rPr>
+              <a:t>author_id</a:t>
+            </a:r>
+            <a:r>
+              <a:rPr lang="en-US" sz="1400" dirty="0">
+                <a:latin typeface="Consolas"/>
+                <a:cs typeface="Consolas"/>
+              </a:rPr>
+              <a:t>") </a:t>
+            </a:r>
+          </a:p>
+          <a:p>
+            <a:r>
+              <a:rPr lang="en-US" sz="1400" dirty="0">
+                <a:latin typeface="Consolas"/>
+                <a:cs typeface="Consolas"/>
+              </a:rPr>
+              <a:t>    VALUES (6, 4) RETURNING "</a:t>
+            </a:r>
+            <a:r>
+              <a:rPr lang="en-US" sz="1400" dirty="0" err="1">
+                <a:latin typeface="Consolas"/>
+                <a:cs typeface="Consolas"/>
+              </a:rPr>
+              <a:t>author_id</a:t>
+            </a:r>
+            <a:r>
+              <a:rPr lang="en-US" sz="1400" dirty="0">
+                <a:latin typeface="Consolas"/>
+                <a:cs typeface="Consolas"/>
+              </a:rPr>
+              <a:t>"</a:t>
+            </a:r>
+          </a:p>
+          <a:p>
+            <a:r>
+              <a:rPr lang="en-US" sz="1400" dirty="0">
+                <a:latin typeface="Consolas"/>
+                <a:cs typeface="Consolas"/>
+              </a:rPr>
+              <a:t>COMMIT</a:t>
+            </a:r>
+          </a:p>
+        </p:txBody>
+      </p:sp>
+    </p:spTree>
+    <p:extLst>
+      <p:ext uri="{BB962C8B-B14F-4D97-AF65-F5344CB8AC3E}">
+        <p14:creationId xmlns:p14="http://schemas.microsoft.com/office/powerpoint/2010/main" val="2033379979"/>
+      </p:ext>
+    </p:extLst>
+  </p:cSld>
+  <p:clrMapOvr>
+    <a:masterClrMapping/>
+  </p:clrMapOvr>
+  <p:timing>
+    <p:tnLst>
+      <p:par>
+        <p:cTn xmlns:p14="http://schemas.microsoft.com/office/powerpoint/2010/main" id="1" dur="indefinite" restart="never" nodeType="tmRoot"/>
+      </p:par>
+    </p:tnLst>
+  </p:timing>
 </p:sld>
 </file>
 
@@ -15588,6 +16406,13 @@
   <p:clrMapOvr>
     <a:masterClrMapping/>
   </p:clrMapOvr>
+  <p:timing>
+    <p:tnLst>
+      <p:par>
+        <p:cTn xmlns:p14="http://schemas.microsoft.com/office/powerpoint/2010/main" id="1" dur="indefinite" restart="never" nodeType="tmRoot"/>
+      </p:par>
+    </p:tnLst>
+  </p:timing>
 </p:sld>
 </file>
 
@@ -15807,6 +16632,13 @@
   <p:clrMapOvr>
     <a:masterClrMapping/>
   </p:clrMapOvr>
+  <p:timing>
+    <p:tnLst>
+      <p:par>
+        <p:cTn xmlns:p14="http://schemas.microsoft.com/office/powerpoint/2010/main" id="1" dur="indefinite" restart="never" nodeType="tmRoot"/>
+      </p:par>
+    </p:tnLst>
+  </p:timing>
 </p:sld>
 </file>
 
@@ -15895,6 +16727,13 @@
   <p:clrMapOvr>
     <a:masterClrMapping/>
   </p:clrMapOvr>
+  <p:timing>
+    <p:tnLst>
+      <p:par>
+        <p:cTn xmlns:p14="http://schemas.microsoft.com/office/powerpoint/2010/main" id="1" dur="indefinite" restart="never" nodeType="tmRoot"/>
+      </p:par>
+    </p:tnLst>
+  </p:timing>
 </p:sld>
 </file>
 
@@ -16184,6 +17023,13 @@
   <p:clrMapOvr>
     <a:masterClrMapping/>
   </p:clrMapOvr>
+  <p:timing>
+    <p:tnLst>
+      <p:par>
+        <p:cTn xmlns:p14="http://schemas.microsoft.com/office/powerpoint/2010/main" id="1" dur="indefinite" restart="never" nodeType="tmRoot"/>
+      </p:par>
+    </p:tnLst>
+  </p:timing>
 </p:sld>
 </file>
 
@@ -16540,6 +17386,13 @@
   <p:clrMapOvr>
     <a:masterClrMapping/>
   </p:clrMapOvr>
+  <p:timing>
+    <p:tnLst>
+      <p:par>
+        <p:cTn xmlns:p14="http://schemas.microsoft.com/office/powerpoint/2010/main" id="1" dur="indefinite" restart="never" nodeType="tmRoot"/>
+      </p:par>
+    </p:tnLst>
+  </p:timing>
 </p:sld>
 </file>
 
@@ -16632,6 +17485,13 @@
   <p:clrMapOvr>
     <a:masterClrMapping/>
   </p:clrMapOvr>
+  <p:timing>
+    <p:tnLst>
+      <p:par>
+        <p:cTn xmlns:p14="http://schemas.microsoft.com/office/powerpoint/2010/main" id="1" dur="indefinite" restart="never" nodeType="tmRoot"/>
+      </p:par>
+    </p:tnLst>
+  </p:timing>
 </p:sld>
 </file>
 
@@ -16807,6 +17667,13 @@
   <p:clrMapOvr>
     <a:masterClrMapping/>
   </p:clrMapOvr>
+  <p:timing>
+    <p:tnLst>
+      <p:par>
+        <p:cTn xmlns:p14="http://schemas.microsoft.com/office/powerpoint/2010/main" id="1" dur="indefinite" restart="never" nodeType="tmRoot"/>
+      </p:par>
+    </p:tnLst>
+  </p:timing>
 </p:sld>
 </file>
 
